--- a/COVID-19 Presentation.pptx
+++ b/COVID-19 Presentation.pptx
@@ -199,7 +199,7 @@
           <a:p>
             <a:fld id="{A5C20BB3-3CCB-4FE5-991B-82F6BCB48AF3}" type="datetimeFigureOut">
               <a:rPr lang="en-US" smtClean="0"/>
-              <a:t>5/19/2020</a:t>
+              <a:t>5/20/2020</a:t>
             </a:fld>
             <a:endParaRPr lang="en-US"/>
           </a:p>
@@ -823,7 +823,7 @@
           <a:p>
             <a:fld id="{1160EA64-D806-43AC-9DF2-F8C432F32B4C}" type="datetimeFigureOut">
               <a:rPr lang="en-US" dirty="0"/>
-              <a:t>5/19/2020</a:t>
+              <a:t>5/20/2020</a:t>
             </a:fld>
             <a:endParaRPr lang="en-US" dirty="0"/>
           </a:p>
@@ -994,7 +994,7 @@
           <a:p>
             <a:fld id="{E9F9C37B-1D36-470B-8223-D6C91242EC14}" type="datetimeFigureOut">
               <a:rPr lang="en-US" dirty="0"/>
-              <a:t>5/19/2020</a:t>
+              <a:t>5/20/2020</a:t>
             </a:fld>
             <a:endParaRPr lang="en-US" dirty="0"/>
           </a:p>
@@ -1174,7 +1174,7 @@
           <a:p>
             <a:fld id="{67C6F52A-A82B-47A2-A83A-8C4C91F2D59F}" type="datetimeFigureOut">
               <a:rPr lang="en-US" dirty="0"/>
-              <a:t>5/19/2020</a:t>
+              <a:t>5/20/2020</a:t>
             </a:fld>
             <a:endParaRPr lang="en-US" dirty="0"/>
           </a:p>
@@ -1344,7 +1344,7 @@
           <a:p>
             <a:fld id="{F070A7B3-6521-4DCA-87E5-044747A908C1}" type="datetimeFigureOut">
               <a:rPr lang="en-US" dirty="0"/>
-              <a:t>5/19/2020</a:t>
+              <a:t>5/20/2020</a:t>
             </a:fld>
             <a:endParaRPr lang="en-US" dirty="0"/>
           </a:p>
@@ -1613,7 +1613,7 @@
           <a:p>
             <a:fld id="{1160EA64-D806-43AC-9DF2-F8C432F32B4C}" type="datetimeFigureOut">
               <a:rPr lang="en-US" dirty="0"/>
-              <a:t>5/19/2020</a:t>
+              <a:t>5/20/2020</a:t>
             </a:fld>
             <a:endParaRPr lang="en-US" dirty="0"/>
           </a:p>
@@ -1846,7 +1846,7 @@
           <a:p>
             <a:fld id="{AB134690-1557-4C89-A502-4959FE7FAD70}" type="datetimeFigureOut">
               <a:rPr lang="en-US" dirty="0"/>
-              <a:t>5/19/2020</a:t>
+              <a:t>5/20/2020</a:t>
             </a:fld>
             <a:endParaRPr lang="en-US" dirty="0"/>
           </a:p>
@@ -2205,7 +2205,7 @@
           <a:p>
             <a:fld id="{4F7D4976-E339-4826-83B7-FBD03F55ECF8}" type="datetimeFigureOut">
               <a:rPr lang="en-US" dirty="0"/>
-              <a:t>5/19/2020</a:t>
+              <a:t>5/20/2020</a:t>
             </a:fld>
             <a:endParaRPr lang="en-US" dirty="0"/>
           </a:p>
@@ -2346,7 +2346,7 @@
           <a:p>
             <a:fld id="{E1037C31-9E7A-4F99-8774-A0E530DE1A42}" type="datetimeFigureOut">
               <a:rPr lang="en-US" dirty="0"/>
-              <a:t>5/19/2020</a:t>
+              <a:t>5/20/2020</a:t>
             </a:fld>
             <a:endParaRPr lang="en-US" dirty="0"/>
           </a:p>
@@ -2441,7 +2441,7 @@
           <a:p>
             <a:fld id="{C278504F-A551-4DE0-9316-4DCD1D8CC752}" type="datetimeFigureOut">
               <a:rPr lang="en-US" dirty="0"/>
-              <a:t>5/19/2020</a:t>
+              <a:t>5/20/2020</a:t>
             </a:fld>
             <a:endParaRPr lang="en-US" dirty="0"/>
           </a:p>
@@ -2798,7 +2798,7 @@
           <a:p>
             <a:fld id="{D1BE4249-C0D0-4B06-8692-E8BB871AF643}" type="datetimeFigureOut">
               <a:rPr lang="en-US" dirty="0"/>
-              <a:t>5/19/2020</a:t>
+              <a:t>5/20/2020</a:t>
             </a:fld>
             <a:endParaRPr lang="en-US" dirty="0"/>
           </a:p>
@@ -3155,7 +3155,7 @@
           <a:p>
             <a:fld id="{042B0DB6-F5C7-45FB-8CF3-31B45F9C2DAC}" type="datetimeFigureOut">
               <a:rPr lang="en-US" dirty="0"/>
-              <a:t>5/19/2020</a:t>
+              <a:t>5/20/2020</a:t>
             </a:fld>
             <a:endParaRPr lang="en-US" dirty="0"/>
           </a:p>
@@ -3397,7 +3397,7 @@
           <a:p>
             <a:fld id="{1160EA64-D806-43AC-9DF2-F8C432F32B4C}" type="datetimeFigureOut">
               <a:rPr lang="en-US" dirty="0"/>
-              <a:t>5/19/2020</a:t>
+              <a:t>5/20/2020</a:t>
             </a:fld>
             <a:endParaRPr lang="en-US" dirty="0"/>
           </a:p>
@@ -4348,40 +4348,8 @@
         </p:blipFill>
         <p:spPr>
           <a:xfrm>
-            <a:off x="810807" y="475128"/>
-            <a:ext cx="5527508" cy="3661973"/>
-          </a:xfrm>
-          <a:prstGeom prst="rect">
-            <a:avLst/>
-          </a:prstGeom>
-        </p:spPr>
-      </p:pic>
-      <p:pic>
-        <p:nvPicPr>
-          <p:cNvPr id="8" name="Content Placeholder 7" descr="A screenshot of a cell phone&#10;&#10;Description automatically generated">
-            <a:extLst>
-              <a:ext uri="{FF2B5EF4-FFF2-40B4-BE49-F238E27FC236}">
-                <a16:creationId xmlns:a16="http://schemas.microsoft.com/office/drawing/2014/main" id="{F412736F-8918-4C6C-8FB8-5B0424F4ACDC}"/>
-              </a:ext>
-            </a:extLst>
-          </p:cNvPr>
-          <p:cNvPicPr>
-            <a:picLocks noGrp="1" noChangeAspect="1"/>
-          </p:cNvPicPr>
-          <p:nvPr>
-            <p:ph idx="1"/>
-          </p:nvPr>
-        </p:nvPicPr>
-        <p:blipFill>
-          <a:blip r:embed="rId4"/>
-          <a:stretch>
-            <a:fillRect/>
-          </a:stretch>
-        </p:blipFill>
-        <p:spPr>
-          <a:xfrm>
-            <a:off x="6338315" y="301191"/>
-            <a:ext cx="5527508" cy="3835912"/>
+            <a:off x="810806" y="605852"/>
+            <a:ext cx="5340469" cy="3602897"/>
           </a:xfrm>
           <a:prstGeom prst="rect">
             <a:avLst/>
@@ -4438,6 +4406,35 @@
           </a:p>
         </p:txBody>
       </p:sp>
+      <p:pic>
+        <p:nvPicPr>
+          <p:cNvPr id="9" name="Content Placeholder 8" descr="A screenshot of a cell phone&#10;&#10;Description automatically generated">
+            <a:extLst>
+              <a:ext uri="{FF2B5EF4-FFF2-40B4-BE49-F238E27FC236}">
+                <a16:creationId xmlns:a16="http://schemas.microsoft.com/office/drawing/2014/main" id="{AB533FFB-C4B6-4763-BA22-9FCCBDCA8320}"/>
+              </a:ext>
+            </a:extLst>
+          </p:cNvPr>
+          <p:cNvPicPr>
+            <a:picLocks noGrp="1" noChangeAspect="1"/>
+          </p:cNvPicPr>
+          <p:nvPr>
+            <p:ph idx="1"/>
+          </p:nvPr>
+        </p:nvPicPr>
+        <p:blipFill>
+          <a:blip r:embed="rId4"/>
+          <a:stretch>
+            <a:fillRect/>
+          </a:stretch>
+        </p:blipFill>
+        <p:spPr>
+          <a:xfrm>
+            <a:off x="6251357" y="457200"/>
+            <a:ext cx="5624692" cy="3751549"/>
+          </a:xfrm>
+        </p:spPr>
+      </p:pic>
     </p:spTree>
     <p:extLst>
       <p:ext uri="{BB962C8B-B14F-4D97-AF65-F5344CB8AC3E}">
@@ -4667,12 +4664,71 @@
           </a:p>
         </p:txBody>
       </p:sp>
+      <p:sp>
+        <p:nvSpPr>
+          <p:cNvPr id="3" name="TextBox 2">
+            <a:extLst>
+              <a:ext uri="{FF2B5EF4-FFF2-40B4-BE49-F238E27FC236}">
+                <a16:creationId xmlns:a16="http://schemas.microsoft.com/office/drawing/2014/main" id="{E99B50A0-3FA1-452D-BFE3-A3D7A9241096}"/>
+              </a:ext>
+            </a:extLst>
+          </p:cNvPr>
+          <p:cNvSpPr txBox="1"/>
+          <p:nvPr/>
+        </p:nvSpPr>
+        <p:spPr>
+          <a:xfrm>
+            <a:off x="1600200" y="5653668"/>
+            <a:ext cx="8991600" cy="923330"/>
+          </a:xfrm>
+          <a:prstGeom prst="rect">
+            <a:avLst/>
+          </a:prstGeom>
+          <a:noFill/>
+        </p:spPr>
+        <p:txBody>
+          <a:bodyPr wrap="square" rtlCol="0">
+            <a:spAutoFit/>
+          </a:bodyPr>
+          <a:lstStyle/>
+          <a:p>
+            <a:r>
+              <a:rPr lang="en-US" dirty="0">
+                <a:solidFill>
+                  <a:schemeClr val="bg1"/>
+                </a:solidFill>
+              </a:rPr>
+              <a:t>Is it too soon to re-open California? Or other states?</a:t>
+            </a:r>
+          </a:p>
+          <a:p>
+            <a:pPr lvl="1"/>
+            <a:r>
+              <a:rPr lang="en-US" dirty="0">
+                <a:solidFill>
+                  <a:schemeClr val="bg1"/>
+                </a:solidFill>
+              </a:rPr>
+              <a:t>For California, possibly. The current condition of COVID-19 varies from state to state, it’s hard </a:t>
+            </a:r>
+            <a:r>
+              <a:rPr lang="en-US">
+                <a:solidFill>
+                  <a:schemeClr val="bg1"/>
+                </a:solidFill>
+              </a:rPr>
+              <a:t>to say.</a:t>
+            </a:r>
+            <a:endParaRPr lang="en-US" dirty="0"/>
+          </a:p>
+        </p:txBody>
+      </p:sp>
       <p:pic>
         <p:nvPicPr>
-          <p:cNvPr id="6" name="Content Placeholder 5" descr="A close up of a map&#10;&#10;Description automatically generated">
+          <p:cNvPr id="8" name="Content Placeholder 7" descr="A close up of a map&#10;&#10;Description automatically generated">
             <a:extLst>
               <a:ext uri="{FF2B5EF4-FFF2-40B4-BE49-F238E27FC236}">
-                <a16:creationId xmlns:a16="http://schemas.microsoft.com/office/drawing/2014/main" id="{269AB804-E9FA-407B-992B-8531C7F2E38C}"/>
+                <a16:creationId xmlns:a16="http://schemas.microsoft.com/office/drawing/2014/main" id="{1C228068-63E1-4ACB-90E9-E741F6577904}"/>
               </a:ext>
             </a:extLst>
           </p:cNvPr>
@@ -4691,20 +4747,17 @@
         </p:blipFill>
         <p:spPr>
           <a:xfrm>
-            <a:off x="122663" y="1000709"/>
-            <a:ext cx="6255835" cy="2991427"/>
+            <a:off x="234176" y="758283"/>
+            <a:ext cx="5931718" cy="3245005"/>
           </a:xfrm>
-          <a:prstGeom prst="rect">
-            <a:avLst/>
-          </a:prstGeom>
         </p:spPr>
       </p:pic>
       <p:pic>
         <p:nvPicPr>
-          <p:cNvPr id="10" name="Picture 9" descr="A close up of a map&#10;&#10;Description automatically generated">
+          <p:cNvPr id="11" name="Picture 10" descr="A close up of a map&#10;&#10;Description automatically generated">
             <a:extLst>
               <a:ext uri="{FF2B5EF4-FFF2-40B4-BE49-F238E27FC236}">
-                <a16:creationId xmlns:a16="http://schemas.microsoft.com/office/drawing/2014/main" id="{1847A6E3-5711-473F-8910-12BA747C76B1}"/>
+                <a16:creationId xmlns:a16="http://schemas.microsoft.com/office/drawing/2014/main" id="{65084B97-6BA3-4691-9883-6CECD55F7334}"/>
               </a:ext>
             </a:extLst>
           </p:cNvPr>
@@ -4721,67 +4774,14 @@
         </p:blipFill>
         <p:spPr>
           <a:xfrm>
-            <a:off x="6467707" y="1059366"/>
-            <a:ext cx="5422793" cy="2821258"/>
+            <a:off x="6314159" y="758283"/>
+            <a:ext cx="5729576" cy="3341946"/>
           </a:xfrm>
           <a:prstGeom prst="rect">
             <a:avLst/>
           </a:prstGeom>
         </p:spPr>
       </p:pic>
-      <p:sp>
-        <p:nvSpPr>
-          <p:cNvPr id="3" name="TextBox 2">
-            <a:extLst>
-              <a:ext uri="{FF2B5EF4-FFF2-40B4-BE49-F238E27FC236}">
-                <a16:creationId xmlns:a16="http://schemas.microsoft.com/office/drawing/2014/main" id="{E99B50A0-3FA1-452D-BFE3-A3D7A9241096}"/>
-              </a:ext>
-            </a:extLst>
-          </p:cNvPr>
-          <p:cNvSpPr txBox="1"/>
-          <p:nvPr/>
-        </p:nvSpPr>
-        <p:spPr>
-          <a:xfrm>
-            <a:off x="1600200" y="5653668"/>
-            <a:ext cx="8991600" cy="1200329"/>
-          </a:xfrm>
-          <a:prstGeom prst="rect">
-            <a:avLst/>
-          </a:prstGeom>
-          <a:noFill/>
-        </p:spPr>
-        <p:txBody>
-          <a:bodyPr wrap="square" rtlCol="0">
-            <a:spAutoFit/>
-          </a:bodyPr>
-          <a:lstStyle/>
-          <a:p>
-            <a:r>
-              <a:rPr lang="en-US" dirty="0">
-                <a:solidFill>
-                  <a:schemeClr val="bg1"/>
-                </a:solidFill>
-              </a:rPr>
-              <a:t>Is it too soon to re-open California? </a:t>
-            </a:r>
-          </a:p>
-          <a:p>
-            <a:pPr lvl="1"/>
-            <a:r>
-              <a:rPr lang="en-US" dirty="0">
-                <a:solidFill>
-                  <a:schemeClr val="bg1"/>
-                </a:solidFill>
-              </a:rPr>
-              <a:t>In my opinion, yes. Even with a state-wide order, the cumulative number of confirmed &amp; death cases for CA is still rising.</a:t>
-            </a:r>
-          </a:p>
-          <a:p>
-            <a:endParaRPr lang="en-US" dirty="0"/>
-          </a:p>
-        </p:txBody>
-      </p:sp>
     </p:spTree>
     <p:extLst>
       <p:ext uri="{BB962C8B-B14F-4D97-AF65-F5344CB8AC3E}">
